--- a/Präsentationen/Präsentation (1) 17.12.2019.pptx
+++ b/Präsentationen/Präsentation (1) 17.12.2019.pptx
@@ -202,7 +202,7 @@
           <a:p>
             <a:fld id="{4C3855AB-05F7-4D77-9477-CE8238858BA7}" type="datetimeFigureOut">
               <a:rPr lang="de-DE" smtClean="0"/>
-              <a:t>17.12.2019</a:t>
+              <a:t>31.01.2020</a:t>
             </a:fld>
             <a:endParaRPr lang="de-DE"/>
           </a:p>
@@ -619,7 +619,7 @@
           <a:p>
             <a:fld id="{D357BD52-0155-4908-8EA6-59F5B05C5F65}" type="datetime1">
               <a:rPr lang="de-DE" smtClean="0"/>
-              <a:t>17.12.2019</a:t>
+              <a:t>31.01.2020</a:t>
             </a:fld>
             <a:endParaRPr lang="de-DE"/>
           </a:p>
@@ -822,7 +822,7 @@
           <a:p>
             <a:fld id="{A1D0ADF6-A7D7-4B71-A75F-5C03E6A69732}" type="datetime1">
               <a:rPr lang="de-DE" smtClean="0"/>
-              <a:t>17.12.2019</a:t>
+              <a:t>31.01.2020</a:t>
             </a:fld>
             <a:endParaRPr lang="de-DE"/>
           </a:p>
@@ -1035,7 +1035,7 @@
           <a:p>
             <a:fld id="{B8056C43-4CA3-47D7-8A69-8AD0D76A156B}" type="datetime1">
               <a:rPr lang="de-DE" smtClean="0"/>
-              <a:t>17.12.2019</a:t>
+              <a:t>31.01.2020</a:t>
             </a:fld>
             <a:endParaRPr lang="de-DE"/>
           </a:p>
@@ -1238,7 +1238,7 @@
           <a:p>
             <a:fld id="{F95BA865-6C31-4D49-8C60-970C68A61F5F}" type="datetime1">
               <a:rPr lang="de-DE" smtClean="0"/>
-              <a:t>17.12.2019</a:t>
+              <a:t>31.01.2020</a:t>
             </a:fld>
             <a:endParaRPr lang="de-DE"/>
           </a:p>
@@ -1517,7 +1517,7 @@
           <a:p>
             <a:fld id="{6A142CB1-B765-4D6F-9759-635464497DD9}" type="datetime1">
               <a:rPr lang="de-DE" smtClean="0"/>
-              <a:t>17.12.2019</a:t>
+              <a:t>31.01.2020</a:t>
             </a:fld>
             <a:endParaRPr lang="de-DE"/>
           </a:p>
@@ -1788,7 +1788,7 @@
           <a:p>
             <a:fld id="{5DA1351F-D164-4676-9661-F430CC48DA31}" type="datetime1">
               <a:rPr lang="de-DE" smtClean="0"/>
-              <a:t>17.12.2019</a:t>
+              <a:t>31.01.2020</a:t>
             </a:fld>
             <a:endParaRPr lang="de-DE"/>
           </a:p>
@@ -2206,7 +2206,7 @@
           <a:p>
             <a:fld id="{31805BB5-990A-4751-A805-C9A0DA9E5868}" type="datetime1">
               <a:rPr lang="de-DE" smtClean="0"/>
-              <a:t>17.12.2019</a:t>
+              <a:t>31.01.2020</a:t>
             </a:fld>
             <a:endParaRPr lang="de-DE"/>
           </a:p>
@@ -2351,7 +2351,7 @@
           <a:p>
             <a:fld id="{8CC7C466-A6D7-448E-A9DF-57B799BFA27E}" type="datetime1">
               <a:rPr lang="de-DE" smtClean="0"/>
-              <a:t>17.12.2019</a:t>
+              <a:t>31.01.2020</a:t>
             </a:fld>
             <a:endParaRPr lang="de-DE"/>
           </a:p>
@@ -2467,7 +2467,7 @@
           <a:p>
             <a:fld id="{85CBCBCD-8575-42DD-9C07-775A6F71D341}" type="datetime1">
               <a:rPr lang="de-DE" smtClean="0"/>
-              <a:t>17.12.2019</a:t>
+              <a:t>31.01.2020</a:t>
             </a:fld>
             <a:endParaRPr lang="de-DE"/>
           </a:p>
@@ -2783,7 +2783,7 @@
           <a:p>
             <a:fld id="{6C160EE9-0696-425C-9499-7611DC9E5FC4}" type="datetime1">
               <a:rPr lang="de-DE" smtClean="0"/>
-              <a:t>17.12.2019</a:t>
+              <a:t>31.01.2020</a:t>
             </a:fld>
             <a:endParaRPr lang="de-DE"/>
           </a:p>
@@ -3075,7 +3075,7 @@
           <a:p>
             <a:fld id="{73032004-5FC2-4513-B542-DCA7CB9536AE}" type="datetime1">
               <a:rPr lang="de-DE" smtClean="0"/>
-              <a:t>17.12.2019</a:t>
+              <a:t>31.01.2020</a:t>
             </a:fld>
             <a:endParaRPr lang="de-DE"/>
           </a:p>
@@ -3337,7 +3337,7 @@
           <a:p>
             <a:fld id="{6DC9DCE9-A59B-4D64-8175-CF10723B964D}" type="datetime1">
               <a:rPr lang="de-DE" smtClean="0"/>
-              <a:t>17.12.2019</a:t>
+              <a:t>31.01.2020</a:t>
             </a:fld>
             <a:endParaRPr lang="de-DE"/>
           </a:p>
@@ -4507,13 +4507,6 @@
               <a:t>Kamera</a:t>
             </a:r>
             <a:endParaRPr lang="en-US" sz="3600" dirty="0"/>
-          </a:p>
-          <a:p>
-            <a:r>
-              <a:rPr lang="en-US" sz="3600" dirty="0" err="1"/>
-              <a:t>Uhr</a:t>
-            </a:r>
-            <a:endParaRPr lang="de-DE" sz="3600" dirty="0"/>
           </a:p>
         </p:txBody>
       </p:sp>
